--- a/LB_09/LB-09.pptx
+++ b/LB_09/LB-09.pptx
@@ -6946,15 +6946,6 @@
 </cs:chartStyle>
 </file>
 
-<file path=ppt/comments/comment1.xml><?xml version="1.0" encoding="utf-8"?>
-<p:cmLst xmlns:a="http://schemas.openxmlformats.org/drawingml/2006/main" xmlns:r="http://schemas.openxmlformats.org/officeDocument/2006/relationships" xmlns:p="http://schemas.openxmlformats.org/presentationml/2006/main">
-  <p:cm authorId="1" dt="2015-03-13T11:42:57.142" idx="1">
-    <p:pos x="5443" y="0"/>
-    <p:text/>
-  </p:cm>
-</p:cmLst>
-</file>
-
 <file path=ppt/drawings/drawing1.xml><?xml version="1.0" encoding="utf-8"?>
 <c:userShapes xmlns:c="http://schemas.openxmlformats.org/drawingml/2006/chart">
   <cdr:relSizeAnchor xmlns:cdr="http://schemas.openxmlformats.org/drawingml/2006/chartDrawing">
@@ -9385,7 +9376,7 @@
               <a:pPr>
                 <a:defRPr/>
               </a:pPr>
-              <a:t>11.04.2020</a:t>
+              <a:t>20.04.2020</a:t>
             </a:fld>
             <a:endParaRPr lang="ru-RU"/>
           </a:p>
@@ -19114,7 +19105,7 @@
           <a:graphicData uri="http://schemas.openxmlformats.org/presentationml/2006/ole">
             <mc:AlternateContent xmlns:mc="http://schemas.openxmlformats.org/markup-compatibility/2006">
               <mc:Choice xmlns:v="urn:schemas-microsoft-com:vml" Requires="v">
-                <p:oleObj spid="_x0000_s18438" name="Equation" r:id="rId4" imgW="1815840" imgH="1015920" progId="Equation.DSMT4">
+                <p:oleObj spid="_x0000_s18439" name="Equation" r:id="rId4" imgW="1815840" imgH="1015920" progId="Equation.DSMT4">
                   <p:embed/>
                 </p:oleObj>
               </mc:Choice>
@@ -25210,8 +25201,8 @@
           </a:p>
         </p:txBody>
       </p:sp>
-      <mc:AlternateContent xmlns:mc="http://schemas.openxmlformats.org/markup-compatibility/2006">
-        <mc:Choice xmlns:a14="http://schemas.microsoft.com/office/drawing/2010/main" Requires="a14">
+      <mc:AlternateContent xmlns:mc="http://schemas.openxmlformats.org/markup-compatibility/2006" xmlns:a14="http://schemas.microsoft.com/office/drawing/2010/main">
+        <mc:Choice Requires="a14">
           <p:sp>
             <p:nvSpPr>
               <p:cNvPr id="11" name="TextBox 10">
@@ -25307,7 +25298,7 @@
             </p:txBody>
           </p:sp>
         </mc:Choice>
-        <mc:Fallback>
+        <mc:Fallback xmlns="">
           <p:sp>
             <p:nvSpPr>
               <p:cNvPr id="11" name="TextBox 10">
@@ -25445,8 +25436,8 @@
           </a:p>
         </p:txBody>
       </p:sp>
-      <mc:AlternateContent xmlns:mc="http://schemas.openxmlformats.org/markup-compatibility/2006">
-        <mc:Choice xmlns:a14="http://schemas.microsoft.com/office/drawing/2010/main" Requires="a14">
+      <mc:AlternateContent xmlns:mc="http://schemas.openxmlformats.org/markup-compatibility/2006" xmlns:a14="http://schemas.microsoft.com/office/drawing/2010/main">
+        <mc:Choice Requires="a14">
           <p:sp>
             <p:nvSpPr>
               <p:cNvPr id="14" name="TextBox 13">
@@ -25535,7 +25526,7 @@
             </p:txBody>
           </p:sp>
         </mc:Choice>
-        <mc:Fallback>
+        <mc:Fallback xmlns="">
           <p:sp>
             <p:nvSpPr>
               <p:cNvPr id="14" name="TextBox 13">
@@ -25677,8 +25668,8 @@
           </a:p>
         </p:txBody>
       </p:sp>
-      <mc:AlternateContent xmlns:mc="http://schemas.openxmlformats.org/markup-compatibility/2006">
-        <mc:Choice xmlns:a14="http://schemas.microsoft.com/office/drawing/2010/main" Requires="a14">
+      <mc:AlternateContent xmlns:mc="http://schemas.openxmlformats.org/markup-compatibility/2006" xmlns:a14="http://schemas.microsoft.com/office/drawing/2010/main">
+        <mc:Choice Requires="a14">
           <p:sp>
             <p:nvSpPr>
               <p:cNvPr id="18" name="TextBox 17">
@@ -25786,7 +25777,7 @@
             </p:txBody>
           </p:sp>
         </mc:Choice>
-        <mc:Fallback>
+        <mc:Fallback xmlns="">
           <p:sp>
             <p:nvSpPr>
               <p:cNvPr id="18" name="TextBox 17">
@@ -25943,8 +25934,8 @@
           </a:p>
         </p:txBody>
       </p:sp>
-      <mc:AlternateContent xmlns:mc="http://schemas.openxmlformats.org/markup-compatibility/2006">
-        <mc:Choice xmlns:a14="http://schemas.microsoft.com/office/drawing/2010/main" Requires="a14">
+      <mc:AlternateContent xmlns:mc="http://schemas.openxmlformats.org/markup-compatibility/2006" xmlns:a14="http://schemas.microsoft.com/office/drawing/2010/main">
+        <mc:Choice Requires="a14">
           <p:sp>
             <p:nvSpPr>
               <p:cNvPr id="21" name="TextBox 20">
@@ -26057,7 +26048,7 @@
             </p:txBody>
           </p:sp>
         </mc:Choice>
-        <mc:Fallback>
+        <mc:Fallback xmlns="">
           <p:sp>
             <p:nvSpPr>
               <p:cNvPr id="21" name="TextBox 20">
@@ -39529,8 +39520,8 @@
           </a:p>
         </p:txBody>
       </p:sp>
-      <mc:AlternateContent xmlns:mc="http://schemas.openxmlformats.org/markup-compatibility/2006">
-        <mc:Choice xmlns:a14="http://schemas.microsoft.com/office/drawing/2010/main" Requires="a14">
+      <mc:AlternateContent xmlns:mc="http://schemas.openxmlformats.org/markup-compatibility/2006" xmlns:a14="http://schemas.microsoft.com/office/drawing/2010/main">
+        <mc:Choice Requires="a14">
           <p:sp>
             <p:nvSpPr>
               <p:cNvPr id="14" name="Прямоугольник 13">
@@ -39736,7 +39727,7 @@
             </p:txBody>
           </p:sp>
         </mc:Choice>
-        <mc:Fallback>
+        <mc:Fallback xmlns="">
           <p:sp>
             <p:nvSpPr>
               <p:cNvPr id="14" name="Прямоугольник 13">
@@ -45177,8 +45168,8 @@
           </a:extLst>
         </p:spPr>
       </p:cxnSp>
-      <mc:AlternateContent xmlns:mc="http://schemas.openxmlformats.org/markup-compatibility/2006">
-        <mc:Choice xmlns:a14="http://schemas.microsoft.com/office/drawing/2010/main" Requires="a14">
+      <mc:AlternateContent xmlns:mc="http://schemas.openxmlformats.org/markup-compatibility/2006" xmlns:a14="http://schemas.microsoft.com/office/drawing/2010/main">
+        <mc:Choice Requires="a14">
           <p:sp>
             <p:nvSpPr>
               <p:cNvPr id="9" name="TextBox 8">
@@ -45350,7 +45341,7 @@
             </p:txBody>
           </p:sp>
         </mc:Choice>
-        <mc:Fallback>
+        <mc:Fallback xmlns="">
           <p:sp>
             <p:nvSpPr>
               <p:cNvPr id="9" name="TextBox 8">
@@ -46244,8 +46235,8 @@
           </a:extLst>
         </p:spPr>
       </p:cxnSp>
-      <mc:AlternateContent xmlns:mc="http://schemas.openxmlformats.org/markup-compatibility/2006">
-        <mc:Choice xmlns:a14="http://schemas.microsoft.com/office/drawing/2010/main" Requires="a14">
+      <mc:AlternateContent xmlns:mc="http://schemas.openxmlformats.org/markup-compatibility/2006" xmlns:a14="http://schemas.microsoft.com/office/drawing/2010/main">
+        <mc:Choice Requires="a14">
           <p:sp>
             <p:nvSpPr>
               <p:cNvPr id="10" name="Прямоугольник 9">
@@ -46450,7 +46441,7 @@
             </p:txBody>
           </p:sp>
         </mc:Choice>
-        <mc:Fallback>
+        <mc:Fallback xmlns="">
           <p:sp>
             <p:nvSpPr>
               <p:cNvPr id="10" name="Прямоугольник 9">
@@ -46542,8 +46533,8 @@
           </a:p>
         </p:txBody>
       </p:sp>
-      <mc:AlternateContent xmlns:mc="http://schemas.openxmlformats.org/markup-compatibility/2006">
-        <mc:Choice xmlns:a14="http://schemas.microsoft.com/office/drawing/2010/main" Requires="a14">
+      <mc:AlternateContent xmlns:mc="http://schemas.openxmlformats.org/markup-compatibility/2006" xmlns:a14="http://schemas.microsoft.com/office/drawing/2010/main">
+        <mc:Choice Requires="a14">
           <p:sp>
             <p:nvSpPr>
               <p:cNvPr id="13" name="TextBox 12">
@@ -46699,7 +46690,7 @@
             </p:txBody>
           </p:sp>
         </mc:Choice>
-        <mc:Fallback>
+        <mc:Fallback xmlns="">
           <p:sp>
             <p:nvSpPr>
               <p:cNvPr id="13" name="TextBox 12">
@@ -46812,8 +46803,8 @@
           </a:p>
         </p:txBody>
       </p:sp>
-      <mc:AlternateContent xmlns:mc="http://schemas.openxmlformats.org/markup-compatibility/2006">
-        <mc:Choice xmlns:a14="http://schemas.microsoft.com/office/drawing/2010/main" Requires="a14">
+      <mc:AlternateContent xmlns:mc="http://schemas.openxmlformats.org/markup-compatibility/2006" xmlns:a14="http://schemas.microsoft.com/office/drawing/2010/main">
+        <mc:Choice Requires="a14">
           <p:sp>
             <p:nvSpPr>
               <p:cNvPr id="15" name="TextBox 14">
@@ -46984,7 +46975,7 @@
             </p:txBody>
           </p:sp>
         </mc:Choice>
-        <mc:Fallback>
+        <mc:Fallback xmlns="">
           <p:sp>
             <p:nvSpPr>
               <p:cNvPr id="15" name="TextBox 14">
@@ -47097,8 +47088,8 @@
           </a:p>
         </p:txBody>
       </p:sp>
-      <mc:AlternateContent xmlns:mc="http://schemas.openxmlformats.org/markup-compatibility/2006">
-        <mc:Choice xmlns:a14="http://schemas.microsoft.com/office/drawing/2010/main" Requires="a14">
+      <mc:AlternateContent xmlns:mc="http://schemas.openxmlformats.org/markup-compatibility/2006" xmlns:a14="http://schemas.microsoft.com/office/drawing/2010/main">
+        <mc:Choice Requires="a14">
           <p:sp>
             <p:nvSpPr>
               <p:cNvPr id="18" name="TextBox 17">
@@ -47288,7 +47279,7 @@
             </p:txBody>
           </p:sp>
         </mc:Choice>
-        <mc:Fallback>
+        <mc:Fallback xmlns="">
           <p:sp>
             <p:nvSpPr>
               <p:cNvPr id="18" name="TextBox 17">
@@ -47401,8 +47392,8 @@
           </a:p>
         </p:txBody>
       </p:sp>
-      <mc:AlternateContent xmlns:mc="http://schemas.openxmlformats.org/markup-compatibility/2006">
-        <mc:Choice xmlns:a14="http://schemas.microsoft.com/office/drawing/2010/main" Requires="a14">
+      <mc:AlternateContent xmlns:mc="http://schemas.openxmlformats.org/markup-compatibility/2006" xmlns:a14="http://schemas.microsoft.com/office/drawing/2010/main">
+        <mc:Choice Requires="a14">
           <p:sp>
             <p:nvSpPr>
               <p:cNvPr id="20" name="TextBox 19">
@@ -47584,7 +47575,7 @@
             </p:txBody>
           </p:sp>
         </mc:Choice>
-        <mc:Fallback>
+        <mc:Fallback xmlns="">
           <p:sp>
             <p:nvSpPr>
               <p:cNvPr id="20" name="TextBox 19">
